--- a/Lec-14.pptx
+++ b/Lec-14.pptx
@@ -5,22 +5,26 @@
     <p:sldMasterId id="2147483648" r:id="rId1"/>
   </p:sldMasterIdLst>
   <p:notesMasterIdLst>
-    <p:notesMasterId r:id="rId15"/>
+    <p:notesMasterId r:id="rId19"/>
   </p:notesMasterIdLst>
   <p:sldIdLst>
     <p:sldId id="337" r:id="rId2"/>
     <p:sldId id="387" r:id="rId3"/>
     <p:sldId id="388" r:id="rId4"/>
-    <p:sldId id="389" r:id="rId5"/>
-    <p:sldId id="390" r:id="rId6"/>
-    <p:sldId id="391" r:id="rId7"/>
-    <p:sldId id="392" r:id="rId8"/>
-    <p:sldId id="393" r:id="rId9"/>
-    <p:sldId id="394" r:id="rId10"/>
-    <p:sldId id="395" r:id="rId11"/>
-    <p:sldId id="396" r:id="rId12"/>
-    <p:sldId id="397" r:id="rId13"/>
-    <p:sldId id="398" r:id="rId14"/>
+    <p:sldId id="402" r:id="rId5"/>
+    <p:sldId id="389" r:id="rId6"/>
+    <p:sldId id="390" r:id="rId7"/>
+    <p:sldId id="391" r:id="rId8"/>
+    <p:sldId id="392" r:id="rId9"/>
+    <p:sldId id="393" r:id="rId10"/>
+    <p:sldId id="394" r:id="rId11"/>
+    <p:sldId id="395" r:id="rId12"/>
+    <p:sldId id="396" r:id="rId13"/>
+    <p:sldId id="397" r:id="rId14"/>
+    <p:sldId id="398" r:id="rId15"/>
+    <p:sldId id="399" r:id="rId16"/>
+    <p:sldId id="400" r:id="rId17"/>
+    <p:sldId id="401" r:id="rId18"/>
   </p:sldIdLst>
   <p:sldSz cx="9144000" cy="6858000" type="screen4x3"/>
   <p:notesSz cx="6858000" cy="9144000"/>
@@ -302,7 +306,7 @@
               <a:pPr>
                 <a:defRPr/>
               </a:pPr>
-              <a:t>9/3/2025</a:t>
+              <a:t>9/4/2025</a:t>
             </a:fld>
             <a:endParaRPr lang="en-US"/>
           </a:p>
@@ -6626,6 +6630,137 @@
           <p:cNvPr id="3" name="Content Placeholder 2">
             <a:extLst>
               <a:ext uri="{FF2B5EF4-FFF2-40B4-BE49-F238E27FC236}">
+                <a16:creationId xmlns:a16="http://schemas.microsoft.com/office/drawing/2014/main" id="{6CBB13D6-FF25-52E9-9913-BF78B1DFF65A}"/>
+              </a:ext>
+            </a:extLst>
+          </p:cNvPr>
+          <p:cNvSpPr>
+            <a:spLocks noGrp="1"/>
+          </p:cNvSpPr>
+          <p:nvPr>
+            <p:ph sz="quarter" idx="10"/>
+          </p:nvPr>
+        </p:nvSpPr>
+        <p:spPr/>
+        <p:txBody>
+          <a:bodyPr/>
+          <a:lstStyle/>
+          <a:p>
+            <a:r>
+              <a:rPr lang="en-US" dirty="0"/>
+              <a:t>Latch delays</a:t>
+            </a:r>
+            <a:endParaRPr lang="en-IN" dirty="0"/>
+          </a:p>
+        </p:txBody>
+      </p:sp>
+      <p:pic>
+        <p:nvPicPr>
+          <p:cNvPr id="4" name="Content Placeholder 3">
+            <a:extLst>
+              <a:ext uri="{FF2B5EF4-FFF2-40B4-BE49-F238E27FC236}">
+                <a16:creationId xmlns:a16="http://schemas.microsoft.com/office/drawing/2014/main" id="{FCACF60D-FBA8-6C48-E0FF-5D97AE9C2128}"/>
+              </a:ext>
+            </a:extLst>
+          </p:cNvPr>
+          <p:cNvPicPr>
+            <a:picLocks noGrp="1" noChangeAspect="1" noChangeArrowheads="1"/>
+          </p:cNvPicPr>
+          <p:nvPr>
+            <p:ph idx="1"/>
+          </p:nvPr>
+        </p:nvPicPr>
+        <p:blipFill rotWithShape="1">
+          <a:blip r:embed="rId2">
+            <a:extLst>
+              <a:ext uri="{28A0092B-C50C-407E-A947-70E740481C1C}">
+                <a14:useLocalDpi xmlns:a14="http://schemas.microsoft.com/office/drawing/2010/main" val="0"/>
+              </a:ext>
+            </a:extLst>
+          </a:blip>
+          <a:srcRect t="9084"/>
+          <a:stretch>
+            <a:fillRect/>
+          </a:stretch>
+        </p:blipFill>
+        <p:spPr bwMode="auto">
+          <a:xfrm>
+            <a:off x="800100" y="1600200"/>
+            <a:ext cx="7543800" cy="4745170"/>
+          </a:xfrm>
+          <a:prstGeom prst="rect">
+            <a:avLst/>
+          </a:prstGeom>
+          <a:noFill/>
+          <a:ln>
+            <a:noFill/>
+          </a:ln>
+          <a:effectLst/>
+          <a:extLst>
+            <a:ext uri="{909E8E84-426E-40DD-AFC4-6F175D3DCCD1}">
+              <a14:hiddenFill xmlns:a14="http://schemas.microsoft.com/office/drawing/2010/main">
+                <a:solidFill>
+                  <a:schemeClr val="accent1"/>
+                </a:solidFill>
+              </a14:hiddenFill>
+            </a:ext>
+            <a:ext uri="{91240B29-F687-4F45-9708-019B960494DF}">
+              <a14:hiddenLine xmlns:a14="http://schemas.microsoft.com/office/drawing/2010/main" w="9525">
+                <a:solidFill>
+                  <a:schemeClr val="tx1"/>
+                </a:solidFill>
+                <a:miter lim="800000"/>
+                <a:headEnd/>
+                <a:tailEnd/>
+              </a14:hiddenLine>
+            </a:ext>
+            <a:ext uri="{AF507438-7753-43E0-B8FC-AC1667EBCBE1}">
+              <a14:hiddenEffects xmlns:a14="http://schemas.microsoft.com/office/drawing/2010/main">
+                <a:effectLst>
+                  <a:outerShdw dist="35921" dir="2700000" algn="ctr" rotWithShape="0">
+                    <a:schemeClr val="bg2"/>
+                  </a:outerShdw>
+                </a:effectLst>
+              </a14:hiddenEffects>
+            </a:ext>
+          </a:extLst>
+        </p:spPr>
+      </p:pic>
+    </p:spTree>
+    <p:extLst>
+      <p:ext uri="{BB962C8B-B14F-4D97-AF65-F5344CB8AC3E}">
+        <p14:creationId xmlns:p14="http://schemas.microsoft.com/office/powerpoint/2010/main" val="612557925"/>
+      </p:ext>
+    </p:extLst>
+  </p:cSld>
+  <p:clrMapOvr>
+    <a:masterClrMapping/>
+  </p:clrMapOvr>
+</p:sld>
+</file>
+
+<file path=ppt/slides/slide11.xml><?xml version="1.0" encoding="utf-8"?>
+<p:sld xmlns:a="http://schemas.openxmlformats.org/drawingml/2006/main" xmlns:r="http://schemas.openxmlformats.org/officeDocument/2006/relationships" xmlns:p="http://schemas.openxmlformats.org/presentationml/2006/main">
+  <p:cSld>
+    <p:spTree>
+      <p:nvGrpSpPr>
+        <p:cNvPr id="1" name=""/>
+        <p:cNvGrpSpPr/>
+        <p:nvPr/>
+      </p:nvGrpSpPr>
+      <p:grpSpPr>
+        <a:xfrm>
+          <a:off x="0" y="0"/>
+          <a:ext cx="0" cy="0"/>
+          <a:chOff x="0" y="0"/>
+          <a:chExt cx="0" cy="0"/>
+        </a:xfrm>
+      </p:grpSpPr>
+      <p:sp>
+        <p:nvSpPr>
+          <p:cNvPr id="3" name="Content Placeholder 2">
+            <a:extLst>
+              <a:ext uri="{FF2B5EF4-FFF2-40B4-BE49-F238E27FC236}">
                 <a16:creationId xmlns:a16="http://schemas.microsoft.com/office/drawing/2014/main" id="{FBF9EEBD-0CF6-3DAE-F142-741072C2831A}"/>
               </a:ext>
             </a:extLst>
@@ -6735,7 +6870,7 @@
 </p:sld>
 </file>
 
-<file path=ppt/slides/slide11.xml><?xml version="1.0" encoding="utf-8"?>
+<file path=ppt/slides/slide12.xml><?xml version="1.0" encoding="utf-8"?>
 <p:sld xmlns:a="http://schemas.openxmlformats.org/drawingml/2006/main" xmlns:r="http://schemas.openxmlformats.org/officeDocument/2006/relationships" xmlns:p="http://schemas.openxmlformats.org/presentationml/2006/main">
   <p:cSld>
     <p:spTree>
@@ -7011,7 +7146,7 @@
 </p:sld>
 </file>
 
-<file path=ppt/slides/slide12.xml><?xml version="1.0" encoding="utf-8"?>
+<file path=ppt/slides/slide13.xml><?xml version="1.0" encoding="utf-8"?>
 <p:sld xmlns:a="http://schemas.openxmlformats.org/drawingml/2006/main" xmlns:r="http://schemas.openxmlformats.org/officeDocument/2006/relationships" xmlns:p="http://schemas.openxmlformats.org/presentationml/2006/main">
   <p:cSld>
     <p:spTree>
@@ -7142,7 +7277,7 @@
 </p:sld>
 </file>
 
-<file path=ppt/slides/slide13.xml><?xml version="1.0" encoding="utf-8"?>
+<file path=ppt/slides/slide14.xml><?xml version="1.0" encoding="utf-8"?>
 <p:sld xmlns:a="http://schemas.openxmlformats.org/drawingml/2006/main" xmlns:r="http://schemas.openxmlformats.org/officeDocument/2006/relationships" xmlns:p="http://schemas.openxmlformats.org/presentationml/2006/main">
   <p:cSld>
     <p:spTree>
@@ -7974,6 +8109,399 @@
 </p:sld>
 </file>
 
+<file path=ppt/slides/slide15.xml><?xml version="1.0" encoding="utf-8"?>
+<p:sld xmlns:a="http://schemas.openxmlformats.org/drawingml/2006/main" xmlns:r="http://schemas.openxmlformats.org/officeDocument/2006/relationships" xmlns:p="http://schemas.openxmlformats.org/presentationml/2006/main">
+  <p:cSld>
+    <p:spTree>
+      <p:nvGrpSpPr>
+        <p:cNvPr id="1" name=""/>
+        <p:cNvGrpSpPr/>
+        <p:nvPr/>
+      </p:nvGrpSpPr>
+      <p:grpSpPr>
+        <a:xfrm>
+          <a:off x="0" y="0"/>
+          <a:ext cx="0" cy="0"/>
+          <a:chOff x="0" y="0"/>
+          <a:chExt cx="0" cy="0"/>
+        </a:xfrm>
+      </p:grpSpPr>
+      <p:sp>
+        <p:nvSpPr>
+          <p:cNvPr id="3" name="Content Placeholder 2">
+            <a:extLst>
+              <a:ext uri="{FF2B5EF4-FFF2-40B4-BE49-F238E27FC236}">
+                <a16:creationId xmlns:a16="http://schemas.microsoft.com/office/drawing/2014/main" id="{F952C9C4-CB0A-6976-5530-59FD33682541}"/>
+              </a:ext>
+            </a:extLst>
+          </p:cNvPr>
+          <p:cNvSpPr>
+            <a:spLocks noGrp="1"/>
+          </p:cNvSpPr>
+          <p:nvPr>
+            <p:ph sz="quarter" idx="10"/>
+          </p:nvPr>
+        </p:nvSpPr>
+        <p:spPr/>
+        <p:txBody>
+          <a:bodyPr/>
+          <a:lstStyle/>
+          <a:p>
+            <a:r>
+              <a:rPr lang="en-US" dirty="0"/>
+              <a:t>S’R’ latch</a:t>
+            </a:r>
+            <a:endParaRPr lang="en-IN" dirty="0"/>
+          </a:p>
+        </p:txBody>
+      </p:sp>
+      <p:pic>
+        <p:nvPicPr>
+          <p:cNvPr id="4" name="Content Placeholder 3">
+            <a:extLst>
+              <a:ext uri="{FF2B5EF4-FFF2-40B4-BE49-F238E27FC236}">
+                <a16:creationId xmlns:a16="http://schemas.microsoft.com/office/drawing/2014/main" id="{C57DB0A5-4A26-7344-9E45-FC56E26754F4}"/>
+              </a:ext>
+            </a:extLst>
+          </p:cNvPr>
+          <p:cNvPicPr>
+            <a:picLocks noGrp="1" noChangeAspect="1" noChangeArrowheads="1"/>
+          </p:cNvPicPr>
+          <p:nvPr>
+            <p:ph idx="1"/>
+          </p:nvPr>
+        </p:nvPicPr>
+        <p:blipFill rotWithShape="1">
+          <a:blip r:embed="rId2">
+            <a:extLst>
+              <a:ext uri="{28A0092B-C50C-407E-A947-70E740481C1C}">
+                <a14:useLocalDpi xmlns:a14="http://schemas.microsoft.com/office/drawing/2010/main" val="0"/>
+              </a:ext>
+            </a:extLst>
+          </a:blip>
+          <a:srcRect t="15019"/>
+          <a:stretch>
+            <a:fillRect/>
+          </a:stretch>
+        </p:blipFill>
+        <p:spPr bwMode="auto">
+          <a:xfrm>
+            <a:off x="422624" y="1905000"/>
+            <a:ext cx="8298752" cy="3505200"/>
+          </a:xfrm>
+          <a:prstGeom prst="rect">
+            <a:avLst/>
+          </a:prstGeom>
+          <a:noFill/>
+          <a:ln>
+            <a:noFill/>
+          </a:ln>
+          <a:effectLst/>
+          <a:extLst>
+            <a:ext uri="{909E8E84-426E-40DD-AFC4-6F175D3DCCD1}">
+              <a14:hiddenFill xmlns:a14="http://schemas.microsoft.com/office/drawing/2010/main">
+                <a:solidFill>
+                  <a:schemeClr val="accent1"/>
+                </a:solidFill>
+              </a14:hiddenFill>
+            </a:ext>
+            <a:ext uri="{91240B29-F687-4F45-9708-019B960494DF}">
+              <a14:hiddenLine xmlns:a14="http://schemas.microsoft.com/office/drawing/2010/main" w="9525">
+                <a:solidFill>
+                  <a:schemeClr val="tx1"/>
+                </a:solidFill>
+                <a:miter lim="800000"/>
+                <a:headEnd/>
+                <a:tailEnd/>
+              </a14:hiddenLine>
+            </a:ext>
+            <a:ext uri="{AF507438-7753-43E0-B8FC-AC1667EBCBE1}">
+              <a14:hiddenEffects xmlns:a14="http://schemas.microsoft.com/office/drawing/2010/main">
+                <a:effectLst>
+                  <a:outerShdw dist="35921" dir="2700000" algn="ctr" rotWithShape="0">
+                    <a:schemeClr val="bg2"/>
+                  </a:outerShdw>
+                </a:effectLst>
+              </a14:hiddenEffects>
+            </a:ext>
+          </a:extLst>
+        </p:spPr>
+      </p:pic>
+    </p:spTree>
+    <p:extLst>
+      <p:ext uri="{BB962C8B-B14F-4D97-AF65-F5344CB8AC3E}">
+        <p14:creationId xmlns:p14="http://schemas.microsoft.com/office/powerpoint/2010/main" val="99854838"/>
+      </p:ext>
+    </p:extLst>
+  </p:cSld>
+  <p:clrMapOvr>
+    <a:masterClrMapping/>
+  </p:clrMapOvr>
+</p:sld>
+</file>
+
+<file path=ppt/slides/slide16.xml><?xml version="1.0" encoding="utf-8"?>
+<p:sld xmlns:a="http://schemas.openxmlformats.org/drawingml/2006/main" xmlns:r="http://schemas.openxmlformats.org/officeDocument/2006/relationships" xmlns:p="http://schemas.openxmlformats.org/presentationml/2006/main">
+  <p:cSld>
+    <p:spTree>
+      <p:nvGrpSpPr>
+        <p:cNvPr id="1" name=""/>
+        <p:cNvGrpSpPr/>
+        <p:nvPr/>
+      </p:nvGrpSpPr>
+      <p:grpSpPr>
+        <a:xfrm>
+          <a:off x="0" y="0"/>
+          <a:ext cx="0" cy="0"/>
+          <a:chOff x="0" y="0"/>
+          <a:chExt cx="0" cy="0"/>
+        </a:xfrm>
+      </p:grpSpPr>
+      <p:sp>
+        <p:nvSpPr>
+          <p:cNvPr id="3" name="Content Placeholder 2">
+            <a:extLst>
+              <a:ext uri="{FF2B5EF4-FFF2-40B4-BE49-F238E27FC236}">
+                <a16:creationId xmlns:a16="http://schemas.microsoft.com/office/drawing/2014/main" id="{046C368E-1383-8420-5EED-F2D70CD5471B}"/>
+              </a:ext>
+            </a:extLst>
+          </p:cNvPr>
+          <p:cNvSpPr>
+            <a:spLocks noGrp="1"/>
+          </p:cNvSpPr>
+          <p:nvPr>
+            <p:ph sz="quarter" idx="10"/>
+          </p:nvPr>
+        </p:nvSpPr>
+        <p:spPr/>
+        <p:txBody>
+          <a:bodyPr/>
+          <a:lstStyle/>
+          <a:p>
+            <a:r>
+              <a:rPr lang="en-US" dirty="0"/>
+              <a:t>SR latch with control input</a:t>
+            </a:r>
+            <a:endParaRPr lang="en-IN" dirty="0"/>
+          </a:p>
+        </p:txBody>
+      </p:sp>
+      <p:pic>
+        <p:nvPicPr>
+          <p:cNvPr id="4" name="Content Placeholder 3">
+            <a:extLst>
+              <a:ext uri="{FF2B5EF4-FFF2-40B4-BE49-F238E27FC236}">
+                <a16:creationId xmlns:a16="http://schemas.microsoft.com/office/drawing/2014/main" id="{4E7CCB21-63A2-55FF-CA13-2B7EFD1EEEBC}"/>
+              </a:ext>
+            </a:extLst>
+          </p:cNvPr>
+          <p:cNvPicPr>
+            <a:picLocks noGrp="1" noChangeAspect="1" noChangeArrowheads="1"/>
+          </p:cNvPicPr>
+          <p:nvPr>
+            <p:ph idx="1"/>
+          </p:nvPr>
+        </p:nvPicPr>
+        <p:blipFill rotWithShape="1">
+          <a:blip r:embed="rId2">
+            <a:extLst>
+              <a:ext uri="{28A0092B-C50C-407E-A947-70E740481C1C}">
+                <a14:useLocalDpi xmlns:a14="http://schemas.microsoft.com/office/drawing/2010/main" val="0"/>
+              </a:ext>
+            </a:extLst>
+          </a:blip>
+          <a:srcRect t="13754"/>
+          <a:stretch>
+            <a:fillRect/>
+          </a:stretch>
+        </p:blipFill>
+        <p:spPr bwMode="auto">
+          <a:xfrm>
+            <a:off x="646744" y="1905000"/>
+            <a:ext cx="7850512" cy="3869014"/>
+          </a:xfrm>
+          <a:prstGeom prst="rect">
+            <a:avLst/>
+          </a:prstGeom>
+          <a:noFill/>
+          <a:ln>
+            <a:noFill/>
+          </a:ln>
+          <a:effectLst/>
+          <a:extLst>
+            <a:ext uri="{909E8E84-426E-40DD-AFC4-6F175D3DCCD1}">
+              <a14:hiddenFill xmlns:a14="http://schemas.microsoft.com/office/drawing/2010/main">
+                <a:solidFill>
+                  <a:schemeClr val="accent1"/>
+                </a:solidFill>
+              </a14:hiddenFill>
+            </a:ext>
+            <a:ext uri="{91240B29-F687-4F45-9708-019B960494DF}">
+              <a14:hiddenLine xmlns:a14="http://schemas.microsoft.com/office/drawing/2010/main" w="9525">
+                <a:solidFill>
+                  <a:schemeClr val="tx1"/>
+                </a:solidFill>
+                <a:miter lim="800000"/>
+                <a:headEnd/>
+                <a:tailEnd/>
+              </a14:hiddenLine>
+            </a:ext>
+            <a:ext uri="{AF507438-7753-43E0-B8FC-AC1667EBCBE1}">
+              <a14:hiddenEffects xmlns:a14="http://schemas.microsoft.com/office/drawing/2010/main">
+                <a:effectLst>
+                  <a:outerShdw dist="35921" dir="2700000" algn="ctr" rotWithShape="0">
+                    <a:schemeClr val="bg2"/>
+                  </a:outerShdw>
+                </a:effectLst>
+              </a14:hiddenEffects>
+            </a:ext>
+          </a:extLst>
+        </p:spPr>
+      </p:pic>
+    </p:spTree>
+    <p:extLst>
+      <p:ext uri="{BB962C8B-B14F-4D97-AF65-F5344CB8AC3E}">
+        <p14:creationId xmlns:p14="http://schemas.microsoft.com/office/powerpoint/2010/main" val="3415774024"/>
+      </p:ext>
+    </p:extLst>
+  </p:cSld>
+  <p:clrMapOvr>
+    <a:masterClrMapping/>
+  </p:clrMapOvr>
+</p:sld>
+</file>
+
+<file path=ppt/slides/slide17.xml><?xml version="1.0" encoding="utf-8"?>
+<p:sld xmlns:a="http://schemas.openxmlformats.org/drawingml/2006/main" xmlns:r="http://schemas.openxmlformats.org/officeDocument/2006/relationships" xmlns:p="http://schemas.openxmlformats.org/presentationml/2006/main">
+  <p:cSld>
+    <p:spTree>
+      <p:nvGrpSpPr>
+        <p:cNvPr id="1" name=""/>
+        <p:cNvGrpSpPr/>
+        <p:nvPr/>
+      </p:nvGrpSpPr>
+      <p:grpSpPr>
+        <a:xfrm>
+          <a:off x="0" y="0"/>
+          <a:ext cx="0" cy="0"/>
+          <a:chOff x="0" y="0"/>
+          <a:chExt cx="0" cy="0"/>
+        </a:xfrm>
+      </p:grpSpPr>
+      <p:sp>
+        <p:nvSpPr>
+          <p:cNvPr id="3" name="Content Placeholder 2">
+            <a:extLst>
+              <a:ext uri="{FF2B5EF4-FFF2-40B4-BE49-F238E27FC236}">
+                <a16:creationId xmlns:a16="http://schemas.microsoft.com/office/drawing/2014/main" id="{766CB3A3-0FBC-7438-E0D2-B10440134A54}"/>
+              </a:ext>
+            </a:extLst>
+          </p:cNvPr>
+          <p:cNvSpPr>
+            <a:spLocks noGrp="1"/>
+          </p:cNvSpPr>
+          <p:nvPr>
+            <p:ph sz="quarter" idx="10"/>
+          </p:nvPr>
+        </p:nvSpPr>
+        <p:spPr/>
+        <p:txBody>
+          <a:bodyPr/>
+          <a:lstStyle/>
+          <a:p>
+            <a:r>
+              <a:rPr lang="en-US" dirty="0"/>
+              <a:t>The D latch</a:t>
+            </a:r>
+            <a:endParaRPr lang="en-IN" dirty="0"/>
+          </a:p>
+        </p:txBody>
+      </p:sp>
+      <p:pic>
+        <p:nvPicPr>
+          <p:cNvPr id="4" name="Content Placeholder 3">
+            <a:extLst>
+              <a:ext uri="{FF2B5EF4-FFF2-40B4-BE49-F238E27FC236}">
+                <a16:creationId xmlns:a16="http://schemas.microsoft.com/office/drawing/2014/main" id="{80714972-7B1F-F61D-DA7A-0BF2D7FAC9F1}"/>
+              </a:ext>
+            </a:extLst>
+          </p:cNvPr>
+          <p:cNvPicPr>
+            <a:picLocks noGrp="1" noChangeAspect="1" noChangeArrowheads="1"/>
+          </p:cNvPicPr>
+          <p:nvPr>
+            <p:ph idx="1"/>
+          </p:nvPr>
+        </p:nvPicPr>
+        <p:blipFill rotWithShape="1">
+          <a:blip r:embed="rId2">
+            <a:extLst>
+              <a:ext uri="{28A0092B-C50C-407E-A947-70E740481C1C}">
+                <a14:useLocalDpi xmlns:a14="http://schemas.microsoft.com/office/drawing/2010/main" val="0"/>
+              </a:ext>
+            </a:extLst>
+          </a:blip>
+          <a:srcRect t="10768"/>
+          <a:stretch>
+            <a:fillRect/>
+          </a:stretch>
+        </p:blipFill>
+        <p:spPr bwMode="auto">
+          <a:xfrm>
+            <a:off x="1028700" y="1676400"/>
+            <a:ext cx="7086600" cy="4379210"/>
+          </a:xfrm>
+          <a:prstGeom prst="rect">
+            <a:avLst/>
+          </a:prstGeom>
+          <a:noFill/>
+          <a:ln>
+            <a:noFill/>
+          </a:ln>
+          <a:effectLst/>
+          <a:extLst>
+            <a:ext uri="{909E8E84-426E-40DD-AFC4-6F175D3DCCD1}">
+              <a14:hiddenFill xmlns:a14="http://schemas.microsoft.com/office/drawing/2010/main">
+                <a:solidFill>
+                  <a:schemeClr val="accent1"/>
+                </a:solidFill>
+              </a14:hiddenFill>
+            </a:ext>
+            <a:ext uri="{91240B29-F687-4F45-9708-019B960494DF}">
+              <a14:hiddenLine xmlns:a14="http://schemas.microsoft.com/office/drawing/2010/main" w="9525">
+                <a:solidFill>
+                  <a:schemeClr val="tx1"/>
+                </a:solidFill>
+                <a:miter lim="800000"/>
+                <a:headEnd/>
+                <a:tailEnd/>
+              </a14:hiddenLine>
+            </a:ext>
+            <a:ext uri="{AF507438-7753-43E0-B8FC-AC1667EBCBE1}">
+              <a14:hiddenEffects xmlns:a14="http://schemas.microsoft.com/office/drawing/2010/main">
+                <a:effectLst>
+                  <a:outerShdw dist="35921" dir="2700000" algn="ctr" rotWithShape="0">
+                    <a:schemeClr val="bg2"/>
+                  </a:outerShdw>
+                </a:effectLst>
+              </a14:hiddenEffects>
+            </a:ext>
+          </a:extLst>
+        </p:spPr>
+      </p:pic>
+    </p:spTree>
+    <p:extLst>
+      <p:ext uri="{BB962C8B-B14F-4D97-AF65-F5344CB8AC3E}">
+        <p14:creationId xmlns:p14="http://schemas.microsoft.com/office/powerpoint/2010/main" val="4042163539"/>
+      </p:ext>
+    </p:extLst>
+  </p:cSld>
+  <p:clrMapOvr>
+    <a:masterClrMapping/>
+  </p:clrMapOvr>
+</p:sld>
+</file>
+
 <file path=ppt/slides/slide2.xml><?xml version="1.0" encoding="utf-8"?>
 <p:sld xmlns:a="http://schemas.openxmlformats.org/drawingml/2006/main" xmlns:r="http://schemas.openxmlformats.org/officeDocument/2006/relationships" xmlns:p="http://schemas.openxmlformats.org/presentationml/2006/main">
   <p:cSld>
@@ -8382,6 +8910,171 @@
 </file>
 
 <file path=ppt/slides/slide4.xml><?xml version="1.0" encoding="utf-8"?>
+<p:sld xmlns:a="http://schemas.openxmlformats.org/drawingml/2006/main" xmlns:r="http://schemas.openxmlformats.org/officeDocument/2006/relationships" xmlns:p="http://schemas.openxmlformats.org/presentationml/2006/main">
+  <p:cSld>
+    <p:spTree>
+      <p:nvGrpSpPr>
+        <p:cNvPr id="1" name=""/>
+        <p:cNvGrpSpPr/>
+        <p:nvPr/>
+      </p:nvGrpSpPr>
+      <p:grpSpPr>
+        <a:xfrm>
+          <a:off x="0" y="0"/>
+          <a:ext cx="0" cy="0"/>
+          <a:chOff x="0" y="0"/>
+          <a:chExt cx="0" cy="0"/>
+        </a:xfrm>
+      </p:grpSpPr>
+      <p:pic>
+        <p:nvPicPr>
+          <p:cNvPr id="5" name="Content Placeholder 4" descr="A qr code on a white background&#10;&#10;AI-generated content may be incorrect.">
+            <a:extLst>
+              <a:ext uri="{FF2B5EF4-FFF2-40B4-BE49-F238E27FC236}">
+                <a16:creationId xmlns:a16="http://schemas.microsoft.com/office/drawing/2014/main" id="{60A1A136-0209-90F1-B1E4-6D0F79EE2659}"/>
+              </a:ext>
+            </a:extLst>
+          </p:cNvPr>
+          <p:cNvPicPr>
+            <a:picLocks noGrp="1" noChangeAspect="1"/>
+          </p:cNvPicPr>
+          <p:nvPr>
+            <p:ph idx="1"/>
+          </p:nvPr>
+        </p:nvPicPr>
+        <p:blipFill>
+          <a:blip r:embed="rId2">
+            <a:extLst>
+              <a:ext uri="{28A0092B-C50C-407E-A947-70E740481C1C}">
+                <a14:useLocalDpi xmlns:a14="http://schemas.microsoft.com/office/drawing/2010/main" val="0"/>
+              </a:ext>
+            </a:extLst>
+          </a:blip>
+          <a:stretch>
+            <a:fillRect/>
+          </a:stretch>
+        </p:blipFill>
+        <p:spPr>
+          <a:xfrm>
+            <a:off x="609600" y="1447800"/>
+            <a:ext cx="5105400" cy="5105400"/>
+          </a:xfrm>
+        </p:spPr>
+      </p:pic>
+      <p:sp>
+        <p:nvSpPr>
+          <p:cNvPr id="3" name="Content Placeholder 2">
+            <a:extLst>
+              <a:ext uri="{FF2B5EF4-FFF2-40B4-BE49-F238E27FC236}">
+                <a16:creationId xmlns:a16="http://schemas.microsoft.com/office/drawing/2014/main" id="{794439D3-5825-E989-96F9-EF0D6E48C418}"/>
+              </a:ext>
+            </a:extLst>
+          </p:cNvPr>
+          <p:cNvSpPr>
+            <a:spLocks noGrp="1"/>
+          </p:cNvSpPr>
+          <p:nvPr>
+            <p:ph sz="quarter" idx="10"/>
+          </p:nvPr>
+        </p:nvSpPr>
+        <p:spPr/>
+        <p:txBody>
+          <a:bodyPr/>
+          <a:lstStyle/>
+          <a:p>
+            <a:r>
+              <a:rPr lang="en-US" dirty="0"/>
+              <a:t>Attendance!</a:t>
+            </a:r>
+            <a:endParaRPr lang="en-IN" dirty="0"/>
+          </a:p>
+        </p:txBody>
+      </p:sp>
+      <p:sp>
+        <p:nvSpPr>
+          <p:cNvPr id="7" name="TextBox 6">
+            <a:extLst>
+              <a:ext uri="{FF2B5EF4-FFF2-40B4-BE49-F238E27FC236}">
+                <a16:creationId xmlns:a16="http://schemas.microsoft.com/office/drawing/2014/main" id="{5DC6D221-3557-4B26-23D4-4BAF1442A190}"/>
+              </a:ext>
+            </a:extLst>
+          </p:cNvPr>
+          <p:cNvSpPr txBox="1"/>
+          <p:nvPr/>
+        </p:nvSpPr>
+        <p:spPr>
+          <a:xfrm>
+            <a:off x="5486400" y="1905000"/>
+            <a:ext cx="3352800" cy="3416320"/>
+          </a:xfrm>
+          <a:prstGeom prst="rect">
+            <a:avLst/>
+          </a:prstGeom>
+          <a:noFill/>
+        </p:spPr>
+        <p:txBody>
+          <a:bodyPr wrap="square">
+            <a:spAutoFit/>
+          </a:bodyPr>
+          <a:lstStyle/>
+          <a:p>
+            <a:r>
+              <a:rPr lang="en-IN" dirty="0"/>
+              <a:t>Will be opened only during the attendance window.</a:t>
+            </a:r>
+          </a:p>
+          <a:p>
+            <a:endParaRPr lang="en-IN" dirty="0"/>
+          </a:p>
+          <a:p>
+            <a:r>
+              <a:rPr lang="en-IN" dirty="0"/>
+              <a:t>Enable location on your device.</a:t>
+            </a:r>
+          </a:p>
+          <a:p>
+            <a:endParaRPr lang="en-IN" dirty="0"/>
+          </a:p>
+          <a:p>
+            <a:r>
+              <a:rPr lang="en-IN" dirty="0"/>
+              <a:t>Grant any location permissions requested by the website.</a:t>
+            </a:r>
+          </a:p>
+          <a:p>
+            <a:endParaRPr lang="en-IN" dirty="0"/>
+          </a:p>
+          <a:p>
+            <a:r>
+              <a:rPr lang="en-IN" dirty="0"/>
+              <a:t>Refresh the page.</a:t>
+            </a:r>
+          </a:p>
+          <a:p>
+            <a:endParaRPr lang="en-IN" dirty="0"/>
+          </a:p>
+          <a:p>
+            <a:r>
+              <a:rPr lang="en-IN" dirty="0"/>
+              <a:t>Try submitting again.</a:t>
+            </a:r>
+          </a:p>
+        </p:txBody>
+      </p:sp>
+    </p:spTree>
+    <p:extLst>
+      <p:ext uri="{BB962C8B-B14F-4D97-AF65-F5344CB8AC3E}">
+        <p14:creationId xmlns:p14="http://schemas.microsoft.com/office/powerpoint/2010/main" val="4031950704"/>
+      </p:ext>
+    </p:extLst>
+  </p:cSld>
+  <p:clrMapOvr>
+    <a:masterClrMapping/>
+  </p:clrMapOvr>
+</p:sld>
+</file>
+
+<file path=ppt/slides/slide5.xml><?xml version="1.0" encoding="utf-8"?>
 <p:sld xmlns:a="http://schemas.openxmlformats.org/drawingml/2006/main" xmlns:r="http://schemas.openxmlformats.org/officeDocument/2006/relationships" xmlns:p="http://schemas.openxmlformats.org/presentationml/2006/main">
   <p:cSld>
     <p:spTree>
@@ -8702,7 +9395,7 @@
 </p:sld>
 </file>
 
-<file path=ppt/slides/slide5.xml><?xml version="1.0" encoding="utf-8"?>
+<file path=ppt/slides/slide6.xml><?xml version="1.0" encoding="utf-8"?>
 <p:sld xmlns:a="http://schemas.openxmlformats.org/drawingml/2006/main" xmlns:r="http://schemas.openxmlformats.org/officeDocument/2006/relationships" xmlns:p="http://schemas.openxmlformats.org/presentationml/2006/main">
   <p:cSld>
     <p:spTree>
@@ -9368,7 +10061,7 @@
 </p:sld>
 </file>
 
-<file path=ppt/slides/slide6.xml><?xml version="1.0" encoding="utf-8"?>
+<file path=ppt/slides/slide7.xml><?xml version="1.0" encoding="utf-8"?>
 <p:sld xmlns:a="http://schemas.openxmlformats.org/drawingml/2006/main" xmlns:r="http://schemas.openxmlformats.org/officeDocument/2006/relationships" xmlns:p="http://schemas.openxmlformats.org/presentationml/2006/main">
   <p:cSld>
     <p:spTree>
@@ -9812,7 +10505,7 @@
 </p:sld>
 </file>
 
-<file path=ppt/slides/slide7.xml><?xml version="1.0" encoding="utf-8"?>
+<file path=ppt/slides/slide8.xml><?xml version="1.0" encoding="utf-8"?>
 <p:sld xmlns:a="http://schemas.openxmlformats.org/drawingml/2006/main" xmlns:r="http://schemas.openxmlformats.org/officeDocument/2006/relationships" xmlns:p="http://schemas.openxmlformats.org/presentationml/2006/main">
   <p:cSld>
     <p:spTree>
@@ -9943,7 +10636,7 @@
 </p:sld>
 </file>
 
-<file path=ppt/slides/slide8.xml><?xml version="1.0" encoding="utf-8"?>
+<file path=ppt/slides/slide9.xml><?xml version="1.0" encoding="utf-8"?>
 <p:sld xmlns:a="http://schemas.openxmlformats.org/drawingml/2006/main" xmlns:r="http://schemas.openxmlformats.org/officeDocument/2006/relationships" xmlns:p="http://schemas.openxmlformats.org/presentationml/2006/main">
   <p:cSld>
     <p:spTree>
@@ -10376,137 +11069,6 @@
       </p:par>
     </p:tnLst>
   </p:timing>
-</p:sld>
-</file>
-
-<file path=ppt/slides/slide9.xml><?xml version="1.0" encoding="utf-8"?>
-<p:sld xmlns:a="http://schemas.openxmlformats.org/drawingml/2006/main" xmlns:r="http://schemas.openxmlformats.org/officeDocument/2006/relationships" xmlns:p="http://schemas.openxmlformats.org/presentationml/2006/main">
-  <p:cSld>
-    <p:spTree>
-      <p:nvGrpSpPr>
-        <p:cNvPr id="1" name=""/>
-        <p:cNvGrpSpPr/>
-        <p:nvPr/>
-      </p:nvGrpSpPr>
-      <p:grpSpPr>
-        <a:xfrm>
-          <a:off x="0" y="0"/>
-          <a:ext cx="0" cy="0"/>
-          <a:chOff x="0" y="0"/>
-          <a:chExt cx="0" cy="0"/>
-        </a:xfrm>
-      </p:grpSpPr>
-      <p:sp>
-        <p:nvSpPr>
-          <p:cNvPr id="3" name="Content Placeholder 2">
-            <a:extLst>
-              <a:ext uri="{FF2B5EF4-FFF2-40B4-BE49-F238E27FC236}">
-                <a16:creationId xmlns:a16="http://schemas.microsoft.com/office/drawing/2014/main" id="{6CBB13D6-FF25-52E9-9913-BF78B1DFF65A}"/>
-              </a:ext>
-            </a:extLst>
-          </p:cNvPr>
-          <p:cNvSpPr>
-            <a:spLocks noGrp="1"/>
-          </p:cNvSpPr>
-          <p:nvPr>
-            <p:ph sz="quarter" idx="10"/>
-          </p:nvPr>
-        </p:nvSpPr>
-        <p:spPr/>
-        <p:txBody>
-          <a:bodyPr/>
-          <a:lstStyle/>
-          <a:p>
-            <a:r>
-              <a:rPr lang="en-US" dirty="0"/>
-              <a:t>Latch delays</a:t>
-            </a:r>
-            <a:endParaRPr lang="en-IN" dirty="0"/>
-          </a:p>
-        </p:txBody>
-      </p:sp>
-      <p:pic>
-        <p:nvPicPr>
-          <p:cNvPr id="4" name="Content Placeholder 3">
-            <a:extLst>
-              <a:ext uri="{FF2B5EF4-FFF2-40B4-BE49-F238E27FC236}">
-                <a16:creationId xmlns:a16="http://schemas.microsoft.com/office/drawing/2014/main" id="{FCACF60D-FBA8-6C48-E0FF-5D97AE9C2128}"/>
-              </a:ext>
-            </a:extLst>
-          </p:cNvPr>
-          <p:cNvPicPr>
-            <a:picLocks noGrp="1" noChangeAspect="1" noChangeArrowheads="1"/>
-          </p:cNvPicPr>
-          <p:nvPr>
-            <p:ph idx="1"/>
-          </p:nvPr>
-        </p:nvPicPr>
-        <p:blipFill rotWithShape="1">
-          <a:blip r:embed="rId2">
-            <a:extLst>
-              <a:ext uri="{28A0092B-C50C-407E-A947-70E740481C1C}">
-                <a14:useLocalDpi xmlns:a14="http://schemas.microsoft.com/office/drawing/2010/main" val="0"/>
-              </a:ext>
-            </a:extLst>
-          </a:blip>
-          <a:srcRect t="9084"/>
-          <a:stretch>
-            <a:fillRect/>
-          </a:stretch>
-        </p:blipFill>
-        <p:spPr bwMode="auto">
-          <a:xfrm>
-            <a:off x="800100" y="1600200"/>
-            <a:ext cx="7543800" cy="4745170"/>
-          </a:xfrm>
-          <a:prstGeom prst="rect">
-            <a:avLst/>
-          </a:prstGeom>
-          <a:noFill/>
-          <a:ln>
-            <a:noFill/>
-          </a:ln>
-          <a:effectLst/>
-          <a:extLst>
-            <a:ext uri="{909E8E84-426E-40DD-AFC4-6F175D3DCCD1}">
-              <a14:hiddenFill xmlns:a14="http://schemas.microsoft.com/office/drawing/2010/main">
-                <a:solidFill>
-                  <a:schemeClr val="accent1"/>
-                </a:solidFill>
-              </a14:hiddenFill>
-            </a:ext>
-            <a:ext uri="{91240B29-F687-4F45-9708-019B960494DF}">
-              <a14:hiddenLine xmlns:a14="http://schemas.microsoft.com/office/drawing/2010/main" w="9525">
-                <a:solidFill>
-                  <a:schemeClr val="tx1"/>
-                </a:solidFill>
-                <a:miter lim="800000"/>
-                <a:headEnd/>
-                <a:tailEnd/>
-              </a14:hiddenLine>
-            </a:ext>
-            <a:ext uri="{AF507438-7753-43E0-B8FC-AC1667EBCBE1}">
-              <a14:hiddenEffects xmlns:a14="http://schemas.microsoft.com/office/drawing/2010/main">
-                <a:effectLst>
-                  <a:outerShdw dist="35921" dir="2700000" algn="ctr" rotWithShape="0">
-                    <a:schemeClr val="bg2"/>
-                  </a:outerShdw>
-                </a:effectLst>
-              </a14:hiddenEffects>
-            </a:ext>
-          </a:extLst>
-        </p:spPr>
-      </p:pic>
-    </p:spTree>
-    <p:extLst>
-      <p:ext uri="{BB962C8B-B14F-4D97-AF65-F5344CB8AC3E}">
-        <p14:creationId xmlns:p14="http://schemas.microsoft.com/office/powerpoint/2010/main" val="612557925"/>
-      </p:ext>
-    </p:extLst>
-  </p:cSld>
-  <p:clrMapOvr>
-    <a:masterClrMapping/>
-  </p:clrMapOvr>
 </p:sld>
 </file>
 
